--- a/2.APPROVAL.pptx
+++ b/2.APPROVAL.pptx
@@ -267,7 +267,7 @@
           <a:p>
             <a:fld id="{71DCE502-2357-4AA2-A868-AEE57713A950}" type="datetimeFigureOut">
               <a:rPr lang="en-IN" smtClean="0"/>
-              <a:t>27-04-2022</a:t>
+              <a:t>11-06-2022</a:t>
             </a:fld>
             <a:endParaRPr lang="en-IN"/>
           </a:p>
@@ -467,7 +467,7 @@
           <a:p>
             <a:fld id="{71DCE502-2357-4AA2-A868-AEE57713A950}" type="datetimeFigureOut">
               <a:rPr lang="en-IN" smtClean="0"/>
-              <a:t>27-04-2022</a:t>
+              <a:t>11-06-2022</a:t>
             </a:fld>
             <a:endParaRPr lang="en-IN"/>
           </a:p>
@@ -677,7 +677,7 @@
           <a:p>
             <a:fld id="{71DCE502-2357-4AA2-A868-AEE57713A950}" type="datetimeFigureOut">
               <a:rPr lang="en-IN" smtClean="0"/>
-              <a:t>27-04-2022</a:t>
+              <a:t>11-06-2022</a:t>
             </a:fld>
             <a:endParaRPr lang="en-IN"/>
           </a:p>
@@ -877,7 +877,7 @@
           <a:p>
             <a:fld id="{71DCE502-2357-4AA2-A868-AEE57713A950}" type="datetimeFigureOut">
               <a:rPr lang="en-IN" smtClean="0"/>
-              <a:t>27-04-2022</a:t>
+              <a:t>11-06-2022</a:t>
             </a:fld>
             <a:endParaRPr lang="en-IN"/>
           </a:p>
@@ -1153,7 +1153,7 @@
           <a:p>
             <a:fld id="{71DCE502-2357-4AA2-A868-AEE57713A950}" type="datetimeFigureOut">
               <a:rPr lang="en-IN" smtClean="0"/>
-              <a:t>27-04-2022</a:t>
+              <a:t>11-06-2022</a:t>
             </a:fld>
             <a:endParaRPr lang="en-IN"/>
           </a:p>
@@ -1421,7 +1421,7 @@
           <a:p>
             <a:fld id="{71DCE502-2357-4AA2-A868-AEE57713A950}" type="datetimeFigureOut">
               <a:rPr lang="en-IN" smtClean="0"/>
-              <a:t>27-04-2022</a:t>
+              <a:t>11-06-2022</a:t>
             </a:fld>
             <a:endParaRPr lang="en-IN"/>
           </a:p>
@@ -1836,7 +1836,7 @@
           <a:p>
             <a:fld id="{71DCE502-2357-4AA2-A868-AEE57713A950}" type="datetimeFigureOut">
               <a:rPr lang="en-IN" smtClean="0"/>
-              <a:t>27-04-2022</a:t>
+              <a:t>11-06-2022</a:t>
             </a:fld>
             <a:endParaRPr lang="en-IN"/>
           </a:p>
@@ -1978,7 +1978,7 @@
           <a:p>
             <a:fld id="{71DCE502-2357-4AA2-A868-AEE57713A950}" type="datetimeFigureOut">
               <a:rPr lang="en-IN" smtClean="0"/>
-              <a:t>27-04-2022</a:t>
+              <a:t>11-06-2022</a:t>
             </a:fld>
             <a:endParaRPr lang="en-IN"/>
           </a:p>
@@ -2091,7 +2091,7 @@
           <a:p>
             <a:fld id="{71DCE502-2357-4AA2-A868-AEE57713A950}" type="datetimeFigureOut">
               <a:rPr lang="en-IN" smtClean="0"/>
-              <a:t>27-04-2022</a:t>
+              <a:t>11-06-2022</a:t>
             </a:fld>
             <a:endParaRPr lang="en-IN"/>
           </a:p>
@@ -2404,7 +2404,7 @@
           <a:p>
             <a:fld id="{71DCE502-2357-4AA2-A868-AEE57713A950}" type="datetimeFigureOut">
               <a:rPr lang="en-IN" smtClean="0"/>
-              <a:t>27-04-2022</a:t>
+              <a:t>11-06-2022</a:t>
             </a:fld>
             <a:endParaRPr lang="en-IN"/>
           </a:p>
@@ -2693,7 +2693,7 @@
           <a:p>
             <a:fld id="{71DCE502-2357-4AA2-A868-AEE57713A950}" type="datetimeFigureOut">
               <a:rPr lang="en-IN" smtClean="0"/>
-              <a:t>27-04-2022</a:t>
+              <a:t>11-06-2022</a:t>
             </a:fld>
             <a:endParaRPr lang="en-IN"/>
           </a:p>
@@ -2936,7 +2936,7 @@
           <a:p>
             <a:fld id="{71DCE502-2357-4AA2-A868-AEE57713A950}" type="datetimeFigureOut">
               <a:rPr lang="en-IN" smtClean="0"/>
-              <a:t>27-04-2022</a:t>
+              <a:t>11-06-2022</a:t>
             </a:fld>
             <a:endParaRPr lang="en-IN"/>
           </a:p>
@@ -3403,7 +3403,7 @@
         </p:nvSpPr>
         <p:spPr>
           <a:xfrm>
-            <a:off x="2958353" y="1748118"/>
+            <a:off x="2958923" y="1946257"/>
             <a:ext cx="6274153" cy="1015663"/>
           </a:xfrm>
           <a:prstGeom prst="rect">
@@ -3715,7 +3715,7 @@
         <p:spPr>
           <a:xfrm>
             <a:off x="1788458" y="1277704"/>
-            <a:ext cx="9392828" cy="5898218"/>
+            <a:ext cx="9417963" cy="5898218"/>
           </a:xfrm>
           <a:prstGeom prst="rect">
             <a:avLst/>
@@ -3762,7 +3762,7 @@
             </a:r>
           </a:p>
           <a:p>
-            <a:pPr marL="457200" indent="-457200">
+            <a:pPr marL="342900" indent="-342900">
               <a:lnSpc>
                 <a:spcPct val="200000"/>
               </a:lnSpc>
@@ -3771,7 +3771,7 @@
             </a:pPr>
             <a:r>
               <a:rPr lang="en-IN" sz="2400" dirty="0"/>
-              <a:t>Irrigate the farmland in an efficient manner with automated irrigation </a:t>
+              <a:t>Irrigate the farmland in an efficient manner with automated irrigation 	</a:t>
             </a:r>
           </a:p>
           <a:p>
@@ -3782,7 +3782,7 @@
             </a:pPr>
             <a:r>
               <a:rPr lang="en-IN" sz="2400" dirty="0"/>
-              <a:t>System based on </a:t>
+              <a:t>    System based on </a:t>
             </a:r>
             <a:r>
               <a:rPr lang="en-IN" sz="2400" dirty="0">
@@ -3830,7 +3830,7 @@
             </a:pPr>
             <a:r>
               <a:rPr lang="en-IN" sz="2400" dirty="0"/>
-              <a:t> on the reading, </a:t>
+              <a:t>   on the reading, </a:t>
             </a:r>
             <a:r>
               <a:rPr lang="en-IN" sz="2400" dirty="0">
